--- a/Report.pptx
+++ b/Report.pptx
@@ -7,6 +7,12 @@
   <p:sldIdLst>
     <p:sldId id="256" r:id="rId6"/>
     <p:sldId id="257" r:id="rId7"/>
+    <p:sldId id="258" r:id="rId8"/>
+    <p:sldId id="259" r:id="rId9"/>
+    <p:sldId id="260" r:id="rId10"/>
+    <p:sldId id="261" r:id="rId11"/>
+    <p:sldId id="262" r:id="rId12"/>
+    <p:sldId id="263" r:id="rId13"/>
   </p:sldIdLst>
   <p:sldSz cx="12192000" cy="6858000"/>
   <p:notesSz cx="6858000" cy="9144000"/>
@@ -1212,42 +1218,6 @@
       </p:sp>
       <p:sp>
         <p:nvSpPr>
-          <p:cNvPr id="19" name="Text Placeholder 4">
-            <a:extLst>
-              <a:ext uri="{FF2B5EF4-FFF2-40B4-BE49-F238E27FC236}">
-                <a16:creationId xmlns:a16="http://schemas.microsoft.com/office/drawing/2014/main" id="{780FFB04-B76B-4549-92C0-CE10E89680C8}"/>
-              </a:ext>
-            </a:extLst>
-          </p:cNvPr>
-          <p:cNvSpPr>
-            <a:spLocks noGrp="1"/>
-          </p:cNvSpPr>
-          <p:nvPr>
-            <p:ph type="body" sz="quarter" idx="21"/>
-          </p:nvPr>
-        </p:nvSpPr>
-        <p:spPr>
-          <a:xfrm>
-            <a:off x="6272955" y="3648074"/>
-            <a:ext cx="5454651" cy="215444"/>
-          </a:xfrm>
-        </p:spPr>
-        <p:txBody>
-          <a:bodyPr/>
-          <a:lstStyle>
-            <a:lvl1pPr marL="0" indent="0">
-              <a:buNone/>
-              <a:defRPr sz="1400"/>
-            </a:lvl1pPr>
-          </a:lstStyle>
-          <a:p>
-            <a:pPr lvl="0"/>
-            <a:endParaRPr lang="en-US" dirty="0"/>
-          </a:p>
-        </p:txBody>
-      </p:sp>
-      <p:sp>
-        <p:nvSpPr>
           <p:cNvPr id="18" name="Text Placeholder 3">
             <a:extLst>
               <a:ext uri="{FF2B5EF4-FFF2-40B4-BE49-F238E27FC236}">
@@ -1493,37 +1463,7 @@
         <p:spPr>
           <a:xfrm>
             <a:off x="559867" y="3960340"/>
-            <a:ext cx="5454651" cy="2440441"/>
-          </a:xfrm>
-        </p:spPr>
-        <p:txBody>
-          <a:bodyPr/>
-          <a:lstStyle/>
-          <a:p>
-            <a:endParaRPr lang="en-US"/>
-          </a:p>
-        </p:txBody>
-      </p:sp>
-      <p:sp>
-        <p:nvSpPr>
-          <p:cNvPr id="23" name="Picture Placeholder 3">
-            <a:extLst>
-              <a:ext uri="{FF2B5EF4-FFF2-40B4-BE49-F238E27FC236}">
-                <a16:creationId xmlns:a16="http://schemas.microsoft.com/office/drawing/2014/main" id="{10B2B341-7330-4207-B90B-8F190A3AF486}"/>
-              </a:ext>
-            </a:extLst>
-          </p:cNvPr>
-          <p:cNvSpPr>
-            <a:spLocks noGrp="1"/>
-          </p:cNvSpPr>
-          <p:nvPr>
-            <p:ph type="pic" sz="quarter" idx="25"/>
-          </p:nvPr>
-        </p:nvSpPr>
-        <p:spPr>
-          <a:xfrm>
-            <a:off x="6272953" y="3956586"/>
-            <a:ext cx="5454651" cy="2440441"/>
+            <a:ext cx="11167738" cy="2440441"/>
           </a:xfrm>
         </p:spPr>
         <p:txBody>
@@ -3343,7 +3283,7 @@
           <a:lstStyle/>
           <a:p>
             <a:r>
-              <a:t>Generated on 04-19-2020</a:t>
+              <a:t>Generated on 04-25-2020</a:t>
             </a:r>
           </a:p>
         </p:txBody>
@@ -3403,7 +3343,7 @@
           <a:lstStyle/>
           <a:p>
             <a:r>
-              <a:t>Qset and Speed scatter</a:t>
+              <a:t>InjCtl_qSetUnBal\CCP:3 and Epm_nEng\CCP:3 scatter</a:t>
             </a:r>
           </a:p>
         </p:txBody>
@@ -3424,7 +3364,7 @@
           <a:lstStyle/>
           <a:p>
             <a:r>
-              <a:t>Zone mapping of the data w.r.t Qset and Speed :</a:t>
+              <a:t>Zone mapping of the data w.r.t InjCtl_qSetUnBal\CCP:3 and Epm_nEng\CCP:3 </a:t>
             </a:r>
           </a:p>
         </p:txBody>
@@ -3445,7 +3385,7 @@
           <a:lstStyle/>
           <a:p>
             <a:r>
-              <a:t>Qset Distribution plot :</a:t>
+              <a:t>Epm_nEng\CCP:3 Distribution plot</a:t>
             </a:r>
           </a:p>
         </p:txBody>
@@ -3501,6 +3441,834 @@
         <p:blipFill>
           <a:blip r:embed="rId4"/>
           <a:srcRect l="768" r="768"/>
+          <a:stretch>
+            <a:fillRect/>
+          </a:stretch>
+        </p:blipFill>
+        <p:spPr/>
+      </p:pic>
+    </p:spTree>
+  </p:cSld>
+  <p:clrMapOvr>
+    <a:masterClrMapping/>
+  </p:clrMapOvr>
+</p:sld>
+</file>
+
+<file path=ppt/slides/slide3.xml><?xml version="1.0" encoding="utf-8"?>
+<p:sld xmlns:a="http://schemas.openxmlformats.org/drawingml/2006/main" xmlns:p="http://schemas.openxmlformats.org/presentationml/2006/main" xmlns:r="http://schemas.openxmlformats.org/officeDocument/2006/relationships">
+  <p:cSld>
+    <p:spTree>
+      <p:nvGrpSpPr>
+        <p:cNvPr id="1" name=""/>
+        <p:cNvGrpSpPr/>
+        <p:nvPr/>
+      </p:nvGrpSpPr>
+      <p:grpSpPr/>
+      <p:sp>
+        <p:nvSpPr>
+          <p:cNvPr id="2" name="Text Placeholder 1"/>
+          <p:cNvSpPr>
+            <a:spLocks noGrp="1"/>
+          </p:cNvSpPr>
+          <p:nvPr>
+            <p:ph type="body" idx="20" sz="quarter"/>
+          </p:nvPr>
+        </p:nvSpPr>
+        <p:spPr/>
+        <p:txBody>
+          <a:bodyPr/>
+          <a:lstStyle/>
+          <a:p>
+            <a:r>
+              <a:t>y/t Plot for InjCtl_qSetUnBal\CCP:3 at 0.05 truncation</a:t>
+            </a:r>
+          </a:p>
+        </p:txBody>
+      </p:sp>
+      <p:sp>
+        <p:nvSpPr>
+          <p:cNvPr id="3" name="Text Placeholder 2"/>
+          <p:cNvSpPr>
+            <a:spLocks noGrp="1"/>
+          </p:cNvSpPr>
+          <p:nvPr>
+            <p:ph type="body" idx="17" sz="quarter"/>
+          </p:nvPr>
+        </p:nvSpPr>
+        <p:spPr/>
+        <p:txBody>
+          <a:bodyPr/>
+          <a:lstStyle/>
+          <a:p>
+            <a:r>
+              <a:t>Distribution plot for InjCtl_qSetUnBal\CCP:3</a:t>
+            </a:r>
+          </a:p>
+        </p:txBody>
+      </p:sp>
+      <p:sp>
+        <p:nvSpPr>
+          <p:cNvPr id="4" name="Text Placeholder 3"/>
+          <p:cNvSpPr>
+            <a:spLocks noGrp="1"/>
+          </p:cNvSpPr>
+          <p:nvPr>
+            <p:ph type="body" idx="16" sz="quarter"/>
+          </p:nvPr>
+        </p:nvSpPr>
+        <p:spPr/>
+        <p:txBody>
+          <a:bodyPr/>
+          <a:lstStyle/>
+          <a:p>
+            <a:r>
+              <a:t>Scatter plot for InjCtl_qSetUnBal\CCP:3</a:t>
+            </a:r>
+          </a:p>
+        </p:txBody>
+      </p:sp>
+      <p:pic>
+        <p:nvPicPr>
+          <p:cNvPr id="5" name="Picture Placeholder 4" descr="scatterplot.png"/>
+          <p:cNvPicPr>
+            <a:picLocks noGrp="1" noChangeAspect="1"/>
+          </p:cNvPicPr>
+          <p:nvPr>
+            <p:ph type="pic" idx="22" sz="quarter"/>
+          </p:nvPr>
+        </p:nvPicPr>
+        <p:blipFill>
+          <a:blip r:embed="rId2"/>
+          <a:srcRect l="768" r="768"/>
+          <a:stretch>
+            <a:fillRect/>
+          </a:stretch>
+        </p:blipFill>
+        <p:spPr/>
+      </p:pic>
+      <p:pic>
+        <p:nvPicPr>
+          <p:cNvPr id="6" name="Picture Placeholder 5" descr="distplot.png"/>
+          <p:cNvPicPr>
+            <a:picLocks noGrp="1" noChangeAspect="1"/>
+          </p:cNvPicPr>
+          <p:nvPr>
+            <p:ph type="pic" idx="23" sz="quarter"/>
+          </p:nvPr>
+        </p:nvPicPr>
+        <p:blipFill>
+          <a:blip r:embed="rId3"/>
+          <a:srcRect l="768" r="768"/>
+          <a:stretch>
+            <a:fillRect/>
+          </a:stretch>
+        </p:blipFill>
+        <p:spPr/>
+      </p:pic>
+      <p:pic>
+        <p:nvPicPr>
+          <p:cNvPr id="7" name="Picture Placeholder 6" descr="lineplot.png"/>
+          <p:cNvPicPr>
+            <a:picLocks noGrp="1" noChangeAspect="1"/>
+          </p:cNvPicPr>
+          <p:nvPr>
+            <p:ph type="pic" idx="24" sz="quarter"/>
+          </p:nvPr>
+        </p:nvPicPr>
+        <p:blipFill>
+          <a:blip r:embed="rId4"/>
+          <a:srcRect t="34" b="34"/>
+          <a:stretch>
+            <a:fillRect/>
+          </a:stretch>
+        </p:blipFill>
+        <p:spPr/>
+      </p:pic>
+    </p:spTree>
+  </p:cSld>
+  <p:clrMapOvr>
+    <a:masterClrMapping/>
+  </p:clrMapOvr>
+</p:sld>
+</file>
+
+<file path=ppt/slides/slide4.xml><?xml version="1.0" encoding="utf-8"?>
+<p:sld xmlns:a="http://schemas.openxmlformats.org/drawingml/2006/main" xmlns:p="http://schemas.openxmlformats.org/presentationml/2006/main" xmlns:r="http://schemas.openxmlformats.org/officeDocument/2006/relationships">
+  <p:cSld>
+    <p:spTree>
+      <p:nvGrpSpPr>
+        <p:cNvPr id="1" name=""/>
+        <p:cNvGrpSpPr/>
+        <p:nvPr/>
+      </p:nvGrpSpPr>
+      <p:grpSpPr/>
+      <p:sp>
+        <p:nvSpPr>
+          <p:cNvPr id="2" name="Text Placeholder 1"/>
+          <p:cNvSpPr>
+            <a:spLocks noGrp="1"/>
+          </p:cNvSpPr>
+          <p:nvPr>
+            <p:ph type="body" idx="20" sz="quarter"/>
+          </p:nvPr>
+        </p:nvSpPr>
+        <p:spPr/>
+        <p:txBody>
+          <a:bodyPr/>
+          <a:lstStyle/>
+          <a:p>
+            <a:r>
+              <a:t>y/t Plot for Epm_nEng\CCP:3 at 0.05 truncation</a:t>
+            </a:r>
+          </a:p>
+        </p:txBody>
+      </p:sp>
+      <p:sp>
+        <p:nvSpPr>
+          <p:cNvPr id="3" name="Text Placeholder 2"/>
+          <p:cNvSpPr>
+            <a:spLocks noGrp="1"/>
+          </p:cNvSpPr>
+          <p:nvPr>
+            <p:ph type="body" idx="17" sz="quarter"/>
+          </p:nvPr>
+        </p:nvSpPr>
+        <p:spPr/>
+        <p:txBody>
+          <a:bodyPr/>
+          <a:lstStyle/>
+          <a:p>
+            <a:r>
+              <a:t>Distribution plot for Epm_nEng\CCP:3</a:t>
+            </a:r>
+          </a:p>
+        </p:txBody>
+      </p:sp>
+      <p:sp>
+        <p:nvSpPr>
+          <p:cNvPr id="4" name="Text Placeholder 3"/>
+          <p:cNvSpPr>
+            <a:spLocks noGrp="1"/>
+          </p:cNvSpPr>
+          <p:nvPr>
+            <p:ph type="body" idx="16" sz="quarter"/>
+          </p:nvPr>
+        </p:nvSpPr>
+        <p:spPr/>
+        <p:txBody>
+          <a:bodyPr/>
+          <a:lstStyle/>
+          <a:p>
+            <a:r>
+              <a:t>Scatter plot for Epm_nEng\CCP:3</a:t>
+            </a:r>
+          </a:p>
+        </p:txBody>
+      </p:sp>
+      <p:pic>
+        <p:nvPicPr>
+          <p:cNvPr id="5" name="Picture Placeholder 4" descr="scatterplot.png"/>
+          <p:cNvPicPr>
+            <a:picLocks noGrp="1" noChangeAspect="1"/>
+          </p:cNvPicPr>
+          <p:nvPr>
+            <p:ph type="pic" idx="22" sz="quarter"/>
+          </p:nvPr>
+        </p:nvPicPr>
+        <p:blipFill>
+          <a:blip r:embed="rId2"/>
+          <a:srcRect l="768" r="768"/>
+          <a:stretch>
+            <a:fillRect/>
+          </a:stretch>
+        </p:blipFill>
+        <p:spPr/>
+      </p:pic>
+      <p:pic>
+        <p:nvPicPr>
+          <p:cNvPr id="6" name="Picture Placeholder 5" descr="distplot.png"/>
+          <p:cNvPicPr>
+            <a:picLocks noGrp="1" noChangeAspect="1"/>
+          </p:cNvPicPr>
+          <p:nvPr>
+            <p:ph type="pic" idx="23" sz="quarter"/>
+          </p:nvPr>
+        </p:nvPicPr>
+        <p:blipFill>
+          <a:blip r:embed="rId3"/>
+          <a:srcRect l="768" r="768"/>
+          <a:stretch>
+            <a:fillRect/>
+          </a:stretch>
+        </p:blipFill>
+        <p:spPr/>
+      </p:pic>
+      <p:pic>
+        <p:nvPicPr>
+          <p:cNvPr id="7" name="Picture Placeholder 6" descr="lineplot.png"/>
+          <p:cNvPicPr>
+            <a:picLocks noGrp="1" noChangeAspect="1"/>
+          </p:cNvPicPr>
+          <p:nvPr>
+            <p:ph type="pic" idx="24" sz="quarter"/>
+          </p:nvPr>
+        </p:nvPicPr>
+        <p:blipFill>
+          <a:blip r:embed="rId4"/>
+          <a:srcRect t="34" b="34"/>
+          <a:stretch>
+            <a:fillRect/>
+          </a:stretch>
+        </p:blipFill>
+        <p:spPr/>
+      </p:pic>
+    </p:spTree>
+  </p:cSld>
+  <p:clrMapOvr>
+    <a:masterClrMapping/>
+  </p:clrMapOvr>
+</p:sld>
+</file>
+
+<file path=ppt/slides/slide5.xml><?xml version="1.0" encoding="utf-8"?>
+<p:sld xmlns:a="http://schemas.openxmlformats.org/drawingml/2006/main" xmlns:p="http://schemas.openxmlformats.org/presentationml/2006/main" xmlns:r="http://schemas.openxmlformats.org/officeDocument/2006/relationships">
+  <p:cSld>
+    <p:spTree>
+      <p:nvGrpSpPr>
+        <p:cNvPr id="1" name=""/>
+        <p:cNvGrpSpPr/>
+        <p:nvPr/>
+      </p:nvGrpSpPr>
+      <p:grpSpPr/>
+      <p:sp>
+        <p:nvSpPr>
+          <p:cNvPr id="2" name="Text Placeholder 1"/>
+          <p:cNvSpPr>
+            <a:spLocks noGrp="1"/>
+          </p:cNvSpPr>
+          <p:nvPr>
+            <p:ph type="body" idx="20" sz="quarter"/>
+          </p:nvPr>
+        </p:nvSpPr>
+        <p:spPr/>
+        <p:txBody>
+          <a:bodyPr/>
+          <a:lstStyle/>
+          <a:p>
+            <a:r>
+              <a:t>y/t Plot for APP_r\CCP:3 at 0.05 truncation</a:t>
+            </a:r>
+          </a:p>
+        </p:txBody>
+      </p:sp>
+      <p:sp>
+        <p:nvSpPr>
+          <p:cNvPr id="3" name="Text Placeholder 2"/>
+          <p:cNvSpPr>
+            <a:spLocks noGrp="1"/>
+          </p:cNvSpPr>
+          <p:nvPr>
+            <p:ph type="body" idx="17" sz="quarter"/>
+          </p:nvPr>
+        </p:nvSpPr>
+        <p:spPr/>
+        <p:txBody>
+          <a:bodyPr/>
+          <a:lstStyle/>
+          <a:p>
+            <a:r>
+              <a:t>Distribution plot for APP_r\CCP:3</a:t>
+            </a:r>
+          </a:p>
+        </p:txBody>
+      </p:sp>
+      <p:sp>
+        <p:nvSpPr>
+          <p:cNvPr id="4" name="Text Placeholder 3"/>
+          <p:cNvSpPr>
+            <a:spLocks noGrp="1"/>
+          </p:cNvSpPr>
+          <p:nvPr>
+            <p:ph type="body" idx="16" sz="quarter"/>
+          </p:nvPr>
+        </p:nvSpPr>
+        <p:spPr/>
+        <p:txBody>
+          <a:bodyPr/>
+          <a:lstStyle/>
+          <a:p>
+            <a:r>
+              <a:t>Scatter plot for APP_r\CCP:3</a:t>
+            </a:r>
+          </a:p>
+        </p:txBody>
+      </p:sp>
+      <p:pic>
+        <p:nvPicPr>
+          <p:cNvPr id="5" name="Picture Placeholder 4" descr="scatterplot.png"/>
+          <p:cNvPicPr>
+            <a:picLocks noGrp="1" noChangeAspect="1"/>
+          </p:cNvPicPr>
+          <p:nvPr>
+            <p:ph type="pic" idx="22" sz="quarter"/>
+          </p:nvPr>
+        </p:nvPicPr>
+        <p:blipFill>
+          <a:blip r:embed="rId2"/>
+          <a:srcRect l="768" r="768"/>
+          <a:stretch>
+            <a:fillRect/>
+          </a:stretch>
+        </p:blipFill>
+        <p:spPr/>
+      </p:pic>
+      <p:pic>
+        <p:nvPicPr>
+          <p:cNvPr id="6" name="Picture Placeholder 5" descr="distplot.png"/>
+          <p:cNvPicPr>
+            <a:picLocks noGrp="1" noChangeAspect="1"/>
+          </p:cNvPicPr>
+          <p:nvPr>
+            <p:ph type="pic" idx="23" sz="quarter"/>
+          </p:nvPr>
+        </p:nvPicPr>
+        <p:blipFill>
+          <a:blip r:embed="rId3"/>
+          <a:srcRect l="768" r="768"/>
+          <a:stretch>
+            <a:fillRect/>
+          </a:stretch>
+        </p:blipFill>
+        <p:spPr/>
+      </p:pic>
+      <p:pic>
+        <p:nvPicPr>
+          <p:cNvPr id="7" name="Picture Placeholder 6" descr="lineplot.png"/>
+          <p:cNvPicPr>
+            <a:picLocks noGrp="1" noChangeAspect="1"/>
+          </p:cNvPicPr>
+          <p:nvPr>
+            <p:ph type="pic" idx="24" sz="quarter"/>
+          </p:nvPr>
+        </p:nvPicPr>
+        <p:blipFill>
+          <a:blip r:embed="rId4"/>
+          <a:srcRect t="34" b="34"/>
+          <a:stretch>
+            <a:fillRect/>
+          </a:stretch>
+        </p:blipFill>
+        <p:spPr/>
+      </p:pic>
+    </p:spTree>
+  </p:cSld>
+  <p:clrMapOvr>
+    <a:masterClrMapping/>
+  </p:clrMapOvr>
+</p:sld>
+</file>
+
+<file path=ppt/slides/slide6.xml><?xml version="1.0" encoding="utf-8"?>
+<p:sld xmlns:a="http://schemas.openxmlformats.org/drawingml/2006/main" xmlns:p="http://schemas.openxmlformats.org/presentationml/2006/main" xmlns:r="http://schemas.openxmlformats.org/officeDocument/2006/relationships">
+  <p:cSld>
+    <p:spTree>
+      <p:nvGrpSpPr>
+        <p:cNvPr id="1" name=""/>
+        <p:cNvGrpSpPr/>
+        <p:nvPr/>
+      </p:nvGrpSpPr>
+      <p:grpSpPr/>
+      <p:sp>
+        <p:nvSpPr>
+          <p:cNvPr id="2" name="Text Placeholder 1"/>
+          <p:cNvSpPr>
+            <a:spLocks noGrp="1"/>
+          </p:cNvSpPr>
+          <p:nvPr>
+            <p:ph type="body" idx="20" sz="quarter"/>
+          </p:nvPr>
+        </p:nvSpPr>
+        <p:spPr/>
+        <p:txBody>
+          <a:bodyPr/>
+          <a:lstStyle/>
+          <a:p>
+            <a:r>
+              <a:t>y/t Plot for InjCrv_phiMI1Des\CCP:3 at 0.05 truncation</a:t>
+            </a:r>
+          </a:p>
+        </p:txBody>
+      </p:sp>
+      <p:sp>
+        <p:nvSpPr>
+          <p:cNvPr id="3" name="Text Placeholder 2"/>
+          <p:cNvSpPr>
+            <a:spLocks noGrp="1"/>
+          </p:cNvSpPr>
+          <p:nvPr>
+            <p:ph type="body" idx="17" sz="quarter"/>
+          </p:nvPr>
+        </p:nvSpPr>
+        <p:spPr/>
+        <p:txBody>
+          <a:bodyPr/>
+          <a:lstStyle/>
+          <a:p>
+            <a:r>
+              <a:t>Distribution plot for InjCrv_phiMI1Des\CCP:3</a:t>
+            </a:r>
+          </a:p>
+        </p:txBody>
+      </p:sp>
+      <p:sp>
+        <p:nvSpPr>
+          <p:cNvPr id="4" name="Text Placeholder 3"/>
+          <p:cNvSpPr>
+            <a:spLocks noGrp="1"/>
+          </p:cNvSpPr>
+          <p:nvPr>
+            <p:ph type="body" idx="16" sz="quarter"/>
+          </p:nvPr>
+        </p:nvSpPr>
+        <p:spPr/>
+        <p:txBody>
+          <a:bodyPr/>
+          <a:lstStyle/>
+          <a:p>
+            <a:r>
+              <a:t>Scatter plot for InjCrv_phiMI1Des\CCP:3</a:t>
+            </a:r>
+          </a:p>
+        </p:txBody>
+      </p:sp>
+      <p:pic>
+        <p:nvPicPr>
+          <p:cNvPr id="5" name="Picture Placeholder 4" descr="scatterplot.png"/>
+          <p:cNvPicPr>
+            <a:picLocks noGrp="1" noChangeAspect="1"/>
+          </p:cNvPicPr>
+          <p:nvPr>
+            <p:ph type="pic" idx="22" sz="quarter"/>
+          </p:nvPr>
+        </p:nvPicPr>
+        <p:blipFill>
+          <a:blip r:embed="rId2"/>
+          <a:srcRect l="768" r="768"/>
+          <a:stretch>
+            <a:fillRect/>
+          </a:stretch>
+        </p:blipFill>
+        <p:spPr/>
+      </p:pic>
+      <p:pic>
+        <p:nvPicPr>
+          <p:cNvPr id="6" name="Picture Placeholder 5" descr="distplot.png"/>
+          <p:cNvPicPr>
+            <a:picLocks noGrp="1" noChangeAspect="1"/>
+          </p:cNvPicPr>
+          <p:nvPr>
+            <p:ph type="pic" idx="23" sz="quarter"/>
+          </p:nvPr>
+        </p:nvPicPr>
+        <p:blipFill>
+          <a:blip r:embed="rId3"/>
+          <a:srcRect l="768" r="768"/>
+          <a:stretch>
+            <a:fillRect/>
+          </a:stretch>
+        </p:blipFill>
+        <p:spPr/>
+      </p:pic>
+      <p:pic>
+        <p:nvPicPr>
+          <p:cNvPr id="7" name="Picture Placeholder 6" descr="lineplot.png"/>
+          <p:cNvPicPr>
+            <a:picLocks noGrp="1" noChangeAspect="1"/>
+          </p:cNvPicPr>
+          <p:nvPr>
+            <p:ph type="pic" idx="24" sz="quarter"/>
+          </p:nvPr>
+        </p:nvPicPr>
+        <p:blipFill>
+          <a:blip r:embed="rId4"/>
+          <a:srcRect t="34" b="34"/>
+          <a:stretch>
+            <a:fillRect/>
+          </a:stretch>
+        </p:blipFill>
+        <p:spPr/>
+      </p:pic>
+    </p:spTree>
+  </p:cSld>
+  <p:clrMapOvr>
+    <a:masterClrMapping/>
+  </p:clrMapOvr>
+</p:sld>
+</file>
+
+<file path=ppt/slides/slide7.xml><?xml version="1.0" encoding="utf-8"?>
+<p:sld xmlns:a="http://schemas.openxmlformats.org/drawingml/2006/main" xmlns:p="http://schemas.openxmlformats.org/presentationml/2006/main" xmlns:r="http://schemas.openxmlformats.org/officeDocument/2006/relationships">
+  <p:cSld>
+    <p:spTree>
+      <p:nvGrpSpPr>
+        <p:cNvPr id="1" name=""/>
+        <p:cNvGrpSpPr/>
+        <p:nvPr/>
+      </p:nvGrpSpPr>
+      <p:grpSpPr/>
+      <p:sp>
+        <p:nvSpPr>
+          <p:cNvPr id="2" name="Text Placeholder 1"/>
+          <p:cNvSpPr>
+            <a:spLocks noGrp="1"/>
+          </p:cNvSpPr>
+          <p:nvPr>
+            <p:ph type="body" idx="20" sz="quarter"/>
+          </p:nvPr>
+        </p:nvSpPr>
+        <p:spPr/>
+        <p:txBody>
+          <a:bodyPr/>
+          <a:lstStyle/>
+          <a:p>
+            <a:r>
+              <a:t>y/t Plot for EGRVlv_rAct\CCP:3 at 0.05 truncation</a:t>
+            </a:r>
+          </a:p>
+        </p:txBody>
+      </p:sp>
+      <p:sp>
+        <p:nvSpPr>
+          <p:cNvPr id="3" name="Text Placeholder 2"/>
+          <p:cNvSpPr>
+            <a:spLocks noGrp="1"/>
+          </p:cNvSpPr>
+          <p:nvPr>
+            <p:ph type="body" idx="17" sz="quarter"/>
+          </p:nvPr>
+        </p:nvSpPr>
+        <p:spPr/>
+        <p:txBody>
+          <a:bodyPr/>
+          <a:lstStyle/>
+          <a:p>
+            <a:r>
+              <a:t>Distribution plot for EGRVlv_rAct\CCP:3</a:t>
+            </a:r>
+          </a:p>
+        </p:txBody>
+      </p:sp>
+      <p:sp>
+        <p:nvSpPr>
+          <p:cNvPr id="4" name="Text Placeholder 3"/>
+          <p:cNvSpPr>
+            <a:spLocks noGrp="1"/>
+          </p:cNvSpPr>
+          <p:nvPr>
+            <p:ph type="body" idx="16" sz="quarter"/>
+          </p:nvPr>
+        </p:nvSpPr>
+        <p:spPr/>
+        <p:txBody>
+          <a:bodyPr/>
+          <a:lstStyle/>
+          <a:p>
+            <a:r>
+              <a:t>Scatter plot for EGRVlv_rAct\CCP:3</a:t>
+            </a:r>
+          </a:p>
+        </p:txBody>
+      </p:sp>
+      <p:pic>
+        <p:nvPicPr>
+          <p:cNvPr id="5" name="Picture Placeholder 4" descr="scatterplot.png"/>
+          <p:cNvPicPr>
+            <a:picLocks noGrp="1" noChangeAspect="1"/>
+          </p:cNvPicPr>
+          <p:nvPr>
+            <p:ph type="pic" idx="22" sz="quarter"/>
+          </p:nvPr>
+        </p:nvPicPr>
+        <p:blipFill>
+          <a:blip r:embed="rId2"/>
+          <a:srcRect l="768" r="768"/>
+          <a:stretch>
+            <a:fillRect/>
+          </a:stretch>
+        </p:blipFill>
+        <p:spPr/>
+      </p:pic>
+      <p:pic>
+        <p:nvPicPr>
+          <p:cNvPr id="6" name="Picture Placeholder 5" descr="distplot.png"/>
+          <p:cNvPicPr>
+            <a:picLocks noGrp="1" noChangeAspect="1"/>
+          </p:cNvPicPr>
+          <p:nvPr>
+            <p:ph type="pic" idx="23" sz="quarter"/>
+          </p:nvPr>
+        </p:nvPicPr>
+        <p:blipFill>
+          <a:blip r:embed="rId3"/>
+          <a:srcRect l="768" r="768"/>
+          <a:stretch>
+            <a:fillRect/>
+          </a:stretch>
+        </p:blipFill>
+        <p:spPr/>
+      </p:pic>
+      <p:pic>
+        <p:nvPicPr>
+          <p:cNvPr id="7" name="Picture Placeholder 6" descr="lineplot.png"/>
+          <p:cNvPicPr>
+            <a:picLocks noGrp="1" noChangeAspect="1"/>
+          </p:cNvPicPr>
+          <p:nvPr>
+            <p:ph type="pic" idx="24" sz="quarter"/>
+          </p:nvPr>
+        </p:nvPicPr>
+        <p:blipFill>
+          <a:blip r:embed="rId4"/>
+          <a:srcRect t="34" b="34"/>
+          <a:stretch>
+            <a:fillRect/>
+          </a:stretch>
+        </p:blipFill>
+        <p:spPr/>
+      </p:pic>
+    </p:spTree>
+  </p:cSld>
+  <p:clrMapOvr>
+    <a:masterClrMapping/>
+  </p:clrMapOvr>
+</p:sld>
+</file>
+
+<file path=ppt/slides/slide8.xml><?xml version="1.0" encoding="utf-8"?>
+<p:sld xmlns:a="http://schemas.openxmlformats.org/drawingml/2006/main" xmlns:p="http://schemas.openxmlformats.org/presentationml/2006/main" xmlns:r="http://schemas.openxmlformats.org/officeDocument/2006/relationships">
+  <p:cSld>
+    <p:spTree>
+      <p:nvGrpSpPr>
+        <p:cNvPr id="1" name=""/>
+        <p:cNvGrpSpPr/>
+        <p:nvPr/>
+      </p:nvGrpSpPr>
+      <p:grpSpPr/>
+      <p:sp>
+        <p:nvSpPr>
+          <p:cNvPr id="2" name="Text Placeholder 1"/>
+          <p:cNvSpPr>
+            <a:spLocks noGrp="1"/>
+          </p:cNvSpPr>
+          <p:nvPr>
+            <p:ph type="body" idx="20" sz="quarter"/>
+          </p:nvPr>
+        </p:nvSpPr>
+        <p:spPr/>
+        <p:txBody>
+          <a:bodyPr/>
+          <a:lstStyle/>
+          <a:p>
+            <a:r>
+              <a:t>y/t Plot for Rail_pSetPoint\CCP:3 at 0.05 truncation</a:t>
+            </a:r>
+          </a:p>
+        </p:txBody>
+      </p:sp>
+      <p:sp>
+        <p:nvSpPr>
+          <p:cNvPr id="3" name="Text Placeholder 2"/>
+          <p:cNvSpPr>
+            <a:spLocks noGrp="1"/>
+          </p:cNvSpPr>
+          <p:nvPr>
+            <p:ph type="body" idx="17" sz="quarter"/>
+          </p:nvPr>
+        </p:nvSpPr>
+        <p:spPr/>
+        <p:txBody>
+          <a:bodyPr/>
+          <a:lstStyle/>
+          <a:p>
+            <a:r>
+              <a:t>Distribution plot for Rail_pSetPoint\CCP:3</a:t>
+            </a:r>
+          </a:p>
+        </p:txBody>
+      </p:sp>
+      <p:sp>
+        <p:nvSpPr>
+          <p:cNvPr id="4" name="Text Placeholder 3"/>
+          <p:cNvSpPr>
+            <a:spLocks noGrp="1"/>
+          </p:cNvSpPr>
+          <p:nvPr>
+            <p:ph type="body" idx="16" sz="quarter"/>
+          </p:nvPr>
+        </p:nvSpPr>
+        <p:spPr/>
+        <p:txBody>
+          <a:bodyPr/>
+          <a:lstStyle/>
+          <a:p>
+            <a:r>
+              <a:t>Scatter plot for Rail_pSetPoint\CCP:3</a:t>
+            </a:r>
+          </a:p>
+        </p:txBody>
+      </p:sp>
+      <p:pic>
+        <p:nvPicPr>
+          <p:cNvPr id="5" name="Picture Placeholder 4" descr="scatterplot.png"/>
+          <p:cNvPicPr>
+            <a:picLocks noGrp="1" noChangeAspect="1"/>
+          </p:cNvPicPr>
+          <p:nvPr>
+            <p:ph type="pic" idx="22" sz="quarter"/>
+          </p:nvPr>
+        </p:nvPicPr>
+        <p:blipFill>
+          <a:blip r:embed="rId2"/>
+          <a:srcRect l="768" r="768"/>
+          <a:stretch>
+            <a:fillRect/>
+          </a:stretch>
+        </p:blipFill>
+        <p:spPr/>
+      </p:pic>
+      <p:pic>
+        <p:nvPicPr>
+          <p:cNvPr id="6" name="Picture Placeholder 5" descr="distplot.png"/>
+          <p:cNvPicPr>
+            <a:picLocks noGrp="1" noChangeAspect="1"/>
+          </p:cNvPicPr>
+          <p:nvPr>
+            <p:ph type="pic" idx="23" sz="quarter"/>
+          </p:nvPr>
+        </p:nvPicPr>
+        <p:blipFill>
+          <a:blip r:embed="rId3"/>
+          <a:srcRect l="768" r="768"/>
+          <a:stretch>
+            <a:fillRect/>
+          </a:stretch>
+        </p:blipFill>
+        <p:spPr/>
+      </p:pic>
+      <p:pic>
+        <p:nvPicPr>
+          <p:cNvPr id="7" name="Picture Placeholder 6" descr="lineplot.png"/>
+          <p:cNvPicPr>
+            <a:picLocks noGrp="1" noChangeAspect="1"/>
+          </p:cNvPicPr>
+          <p:nvPr>
+            <p:ph type="pic" idx="24" sz="quarter"/>
+          </p:nvPr>
+        </p:nvPicPr>
+        <p:blipFill>
+          <a:blip r:embed="rId4"/>
+          <a:srcRect t="34" b="34"/>
           <a:stretch>
             <a:fillRect/>
           </a:stretch>

--- a/Report.pptx
+++ b/Report.pptx
@@ -3283,7 +3283,7 @@
           <a:lstStyle/>
           <a:p>
             <a:r>
-              <a:t>Generated on 04-25-2020</a:t>
+              <a:t>Generated on 05-17-2020</a:t>
             </a:r>
           </a:p>
         </p:txBody>
